--- a/ppt 16-9/1118.慈光歌.pptx
+++ b/ppt 16-9/1118.慈光歌.pptx
@@ -5,7 +5,7 @@
     <p:sldMasterId id="2147483648" r:id="rId1"/>
   </p:sldMasterIdLst>
   <p:sldIdLst>
-    <p:sldId id="593" r:id="rId2"/>
+    <p:sldId id="595" r:id="rId2"/>
   </p:sldIdLst>
   <p:sldSz cx="12192000" cy="6858000"/>
   <p:notesSz cx="6858000" cy="9144000"/>
@@ -129,7 +129,7 @@
           <p:cNvPr id="2" name="标题 1">
             <a:extLst>
               <a:ext uri="{FF2B5EF4-FFF2-40B4-BE49-F238E27FC236}">
-                <a16:creationId xmlns:a16="http://schemas.microsoft.com/office/drawing/2014/main" id="{7543C7CD-1602-EA9B-97D7-B72E85842324}"/>
+                <a16:creationId xmlns:a16="http://schemas.microsoft.com/office/drawing/2014/main" id="{E361C563-75BA-A0FF-3C5F-C5CDBC129B09}"/>
               </a:ext>
             </a:extLst>
           </p:cNvPr>
@@ -166,7 +166,7 @@
           <p:cNvPr id="3" name="副标题 2">
             <a:extLst>
               <a:ext uri="{FF2B5EF4-FFF2-40B4-BE49-F238E27FC236}">
-                <a16:creationId xmlns:a16="http://schemas.microsoft.com/office/drawing/2014/main" id="{447DFE03-020D-891F-EDF6-22F9D4C5BD0A}"/>
+                <a16:creationId xmlns:a16="http://schemas.microsoft.com/office/drawing/2014/main" id="{0985B853-3B7A-3551-5639-F2C8F4F71E7F}"/>
               </a:ext>
             </a:extLst>
           </p:cNvPr>
@@ -236,7 +236,7 @@
           <p:cNvPr id="4" name="日期占位符 3">
             <a:extLst>
               <a:ext uri="{FF2B5EF4-FFF2-40B4-BE49-F238E27FC236}">
-                <a16:creationId xmlns:a16="http://schemas.microsoft.com/office/drawing/2014/main" id="{5EB2BA52-2593-B871-2823-228CE26DAFAB}"/>
+                <a16:creationId xmlns:a16="http://schemas.microsoft.com/office/drawing/2014/main" id="{3B1CF16A-F564-B54D-EF8F-D1D991B6B9A2}"/>
               </a:ext>
             </a:extLst>
           </p:cNvPr>
@@ -252,7 +252,7 @@
           <a:bodyPr/>
           <a:lstStyle/>
           <a:p>
-            <a:fld id="{6CA8F48B-4028-44FE-9826-0C6F3753D4C9}" type="datetimeFigureOut">
+            <a:fld id="{C7A35AF4-428E-4FE5-891E-4F8D204456B2}" type="datetimeFigureOut">
               <a:rPr lang="zh-CN" altLang="en-US" smtClean="0"/>
               <a:t>2024/3/10</a:t>
             </a:fld>
@@ -265,7 +265,7 @@
           <p:cNvPr id="5" name="页脚占位符 4">
             <a:extLst>
               <a:ext uri="{FF2B5EF4-FFF2-40B4-BE49-F238E27FC236}">
-                <a16:creationId xmlns:a16="http://schemas.microsoft.com/office/drawing/2014/main" id="{4B0CB9B0-CE02-0C72-B702-D1BB162B8E67}"/>
+                <a16:creationId xmlns:a16="http://schemas.microsoft.com/office/drawing/2014/main" id="{673B0189-21C6-55B4-99E4-D6E5622272AF}"/>
               </a:ext>
             </a:extLst>
           </p:cNvPr>
@@ -290,7 +290,7 @@
           <p:cNvPr id="6" name="灯片编号占位符 5">
             <a:extLst>
               <a:ext uri="{FF2B5EF4-FFF2-40B4-BE49-F238E27FC236}">
-                <a16:creationId xmlns:a16="http://schemas.microsoft.com/office/drawing/2014/main" id="{608F1596-C10A-7474-ED5B-855EB1083A61}"/>
+                <a16:creationId xmlns:a16="http://schemas.microsoft.com/office/drawing/2014/main" id="{E6A413C1-A23F-76FB-6C27-B819C4DC942A}"/>
               </a:ext>
             </a:extLst>
           </p:cNvPr>
@@ -306,7 +306,7 @@
           <a:bodyPr/>
           <a:lstStyle/>
           <a:p>
-            <a:fld id="{D8DB7CEC-B5C2-4897-BA30-A334D582FF4A}" type="slidenum">
+            <a:fld id="{97016D87-7218-487E-B8AE-CDFC532EC2B3}" type="slidenum">
               <a:rPr lang="zh-CN" altLang="en-US" smtClean="0"/>
               <a:t>‹#›</a:t>
             </a:fld>
@@ -317,7 +317,7 @@
     </p:spTree>
     <p:extLst>
       <p:ext uri="{BB962C8B-B14F-4D97-AF65-F5344CB8AC3E}">
-        <p14:creationId xmlns:p14="http://schemas.microsoft.com/office/powerpoint/2010/main" val="3825719222"/>
+        <p14:creationId xmlns:p14="http://schemas.microsoft.com/office/powerpoint/2010/main" val="861352073"/>
       </p:ext>
     </p:extLst>
   </p:cSld>
@@ -349,7 +349,7 @@
           <p:cNvPr id="2" name="标题 1">
             <a:extLst>
               <a:ext uri="{FF2B5EF4-FFF2-40B4-BE49-F238E27FC236}">
-                <a16:creationId xmlns:a16="http://schemas.microsoft.com/office/drawing/2014/main" id="{0E51AF7A-33DA-7347-A9D0-5BDF5209A8B6}"/>
+                <a16:creationId xmlns:a16="http://schemas.microsoft.com/office/drawing/2014/main" id="{DF45009B-2E9B-4D25-B79A-CE26B1B98832}"/>
               </a:ext>
             </a:extLst>
           </p:cNvPr>
@@ -377,7 +377,7 @@
           <p:cNvPr id="3" name="竖排文字占位符 2">
             <a:extLst>
               <a:ext uri="{FF2B5EF4-FFF2-40B4-BE49-F238E27FC236}">
-                <a16:creationId xmlns:a16="http://schemas.microsoft.com/office/drawing/2014/main" id="{92AD03C3-AB7D-8A0A-9999-CDA7F2B095EC}"/>
+                <a16:creationId xmlns:a16="http://schemas.microsoft.com/office/drawing/2014/main" id="{B0360179-02B1-A2AB-B463-614EB7DFF439}"/>
               </a:ext>
             </a:extLst>
           </p:cNvPr>
@@ -434,7 +434,7 @@
           <p:cNvPr id="4" name="日期占位符 3">
             <a:extLst>
               <a:ext uri="{FF2B5EF4-FFF2-40B4-BE49-F238E27FC236}">
-                <a16:creationId xmlns:a16="http://schemas.microsoft.com/office/drawing/2014/main" id="{6790B155-EDBD-6592-1792-6894DE1C0ECB}"/>
+                <a16:creationId xmlns:a16="http://schemas.microsoft.com/office/drawing/2014/main" id="{802FDD0D-879C-C958-0C50-312610DC4A11}"/>
               </a:ext>
             </a:extLst>
           </p:cNvPr>
@@ -450,7 +450,7 @@
           <a:bodyPr/>
           <a:lstStyle/>
           <a:p>
-            <a:fld id="{6CA8F48B-4028-44FE-9826-0C6F3753D4C9}" type="datetimeFigureOut">
+            <a:fld id="{C7A35AF4-428E-4FE5-891E-4F8D204456B2}" type="datetimeFigureOut">
               <a:rPr lang="zh-CN" altLang="en-US" smtClean="0"/>
               <a:t>2024/3/10</a:t>
             </a:fld>
@@ -463,7 +463,7 @@
           <p:cNvPr id="5" name="页脚占位符 4">
             <a:extLst>
               <a:ext uri="{FF2B5EF4-FFF2-40B4-BE49-F238E27FC236}">
-                <a16:creationId xmlns:a16="http://schemas.microsoft.com/office/drawing/2014/main" id="{A59A08A5-E635-C96D-70E5-1DDC4316E7D6}"/>
+                <a16:creationId xmlns:a16="http://schemas.microsoft.com/office/drawing/2014/main" id="{ACAF2DC9-641D-1DC7-54FF-9E213E60AF07}"/>
               </a:ext>
             </a:extLst>
           </p:cNvPr>
@@ -488,7 +488,7 @@
           <p:cNvPr id="6" name="灯片编号占位符 5">
             <a:extLst>
               <a:ext uri="{FF2B5EF4-FFF2-40B4-BE49-F238E27FC236}">
-                <a16:creationId xmlns:a16="http://schemas.microsoft.com/office/drawing/2014/main" id="{BA420C57-37F6-E647-9026-97A93C8B45B6}"/>
+                <a16:creationId xmlns:a16="http://schemas.microsoft.com/office/drawing/2014/main" id="{079B7159-18E5-36A5-E51C-DB51ADAB06D3}"/>
               </a:ext>
             </a:extLst>
           </p:cNvPr>
@@ -504,7 +504,7 @@
           <a:bodyPr/>
           <a:lstStyle/>
           <a:p>
-            <a:fld id="{D8DB7CEC-B5C2-4897-BA30-A334D582FF4A}" type="slidenum">
+            <a:fld id="{97016D87-7218-487E-B8AE-CDFC532EC2B3}" type="slidenum">
               <a:rPr lang="zh-CN" altLang="en-US" smtClean="0"/>
               <a:t>‹#›</a:t>
             </a:fld>
@@ -515,7 +515,7 @@
     </p:spTree>
     <p:extLst>
       <p:ext uri="{BB962C8B-B14F-4D97-AF65-F5344CB8AC3E}">
-        <p14:creationId xmlns:p14="http://schemas.microsoft.com/office/powerpoint/2010/main" val="3625689851"/>
+        <p14:creationId xmlns:p14="http://schemas.microsoft.com/office/powerpoint/2010/main" val="2879278504"/>
       </p:ext>
     </p:extLst>
   </p:cSld>
@@ -547,7 +547,7 @@
           <p:cNvPr id="2" name="竖排标题 1">
             <a:extLst>
               <a:ext uri="{FF2B5EF4-FFF2-40B4-BE49-F238E27FC236}">
-                <a16:creationId xmlns:a16="http://schemas.microsoft.com/office/drawing/2014/main" id="{A402120E-501F-9B3C-997A-FDC236279016}"/>
+                <a16:creationId xmlns:a16="http://schemas.microsoft.com/office/drawing/2014/main" id="{63DA8981-9C43-B17E-6A12-58165D48C575}"/>
               </a:ext>
             </a:extLst>
           </p:cNvPr>
@@ -580,7 +580,7 @@
           <p:cNvPr id="3" name="竖排文字占位符 2">
             <a:extLst>
               <a:ext uri="{FF2B5EF4-FFF2-40B4-BE49-F238E27FC236}">
-                <a16:creationId xmlns:a16="http://schemas.microsoft.com/office/drawing/2014/main" id="{1E7BA90A-1200-9AE0-07BA-11BCAC575198}"/>
+                <a16:creationId xmlns:a16="http://schemas.microsoft.com/office/drawing/2014/main" id="{345741C4-689A-1E30-8198-46820F07C00F}"/>
               </a:ext>
             </a:extLst>
           </p:cNvPr>
@@ -642,7 +642,7 @@
           <p:cNvPr id="4" name="日期占位符 3">
             <a:extLst>
               <a:ext uri="{FF2B5EF4-FFF2-40B4-BE49-F238E27FC236}">
-                <a16:creationId xmlns:a16="http://schemas.microsoft.com/office/drawing/2014/main" id="{BD5658DF-C3B3-E439-9B08-1CA72FBF973E}"/>
+                <a16:creationId xmlns:a16="http://schemas.microsoft.com/office/drawing/2014/main" id="{A7F11ECC-DB6C-E9F5-CD7A-5D461AD4BF0C}"/>
               </a:ext>
             </a:extLst>
           </p:cNvPr>
@@ -658,7 +658,7 @@
           <a:bodyPr/>
           <a:lstStyle/>
           <a:p>
-            <a:fld id="{6CA8F48B-4028-44FE-9826-0C6F3753D4C9}" type="datetimeFigureOut">
+            <a:fld id="{C7A35AF4-428E-4FE5-891E-4F8D204456B2}" type="datetimeFigureOut">
               <a:rPr lang="zh-CN" altLang="en-US" smtClean="0"/>
               <a:t>2024/3/10</a:t>
             </a:fld>
@@ -671,7 +671,7 @@
           <p:cNvPr id="5" name="页脚占位符 4">
             <a:extLst>
               <a:ext uri="{FF2B5EF4-FFF2-40B4-BE49-F238E27FC236}">
-                <a16:creationId xmlns:a16="http://schemas.microsoft.com/office/drawing/2014/main" id="{2486A14C-3EFB-455D-4D40-29CEEF517945}"/>
+                <a16:creationId xmlns:a16="http://schemas.microsoft.com/office/drawing/2014/main" id="{E3D34EF0-37EE-F138-AB4A-444D0660A990}"/>
               </a:ext>
             </a:extLst>
           </p:cNvPr>
@@ -696,7 +696,7 @@
           <p:cNvPr id="6" name="灯片编号占位符 5">
             <a:extLst>
               <a:ext uri="{FF2B5EF4-FFF2-40B4-BE49-F238E27FC236}">
-                <a16:creationId xmlns:a16="http://schemas.microsoft.com/office/drawing/2014/main" id="{FBB1412C-45A1-20AB-3E47-80B074A38FD0}"/>
+                <a16:creationId xmlns:a16="http://schemas.microsoft.com/office/drawing/2014/main" id="{FABF7249-7C1D-7B38-7A73-1188269B95B4}"/>
               </a:ext>
             </a:extLst>
           </p:cNvPr>
@@ -712,7 +712,7 @@
           <a:bodyPr/>
           <a:lstStyle/>
           <a:p>
-            <a:fld id="{D8DB7CEC-B5C2-4897-BA30-A334D582FF4A}" type="slidenum">
+            <a:fld id="{97016D87-7218-487E-B8AE-CDFC532EC2B3}" type="slidenum">
               <a:rPr lang="zh-CN" altLang="en-US" smtClean="0"/>
               <a:t>‹#›</a:t>
             </a:fld>
@@ -723,7 +723,7 @@
     </p:spTree>
     <p:extLst>
       <p:ext uri="{BB962C8B-B14F-4D97-AF65-F5344CB8AC3E}">
-        <p14:creationId xmlns:p14="http://schemas.microsoft.com/office/powerpoint/2010/main" val="3483233372"/>
+        <p14:creationId xmlns:p14="http://schemas.microsoft.com/office/powerpoint/2010/main" val="1515938596"/>
       </p:ext>
     </p:extLst>
   </p:cSld>
@@ -755,7 +755,7 @@
           <p:cNvPr id="2" name="标题 1">
             <a:extLst>
               <a:ext uri="{FF2B5EF4-FFF2-40B4-BE49-F238E27FC236}">
-                <a16:creationId xmlns:a16="http://schemas.microsoft.com/office/drawing/2014/main" id="{B6F93030-0FCA-F1AE-43E3-F7C2DD47425A}"/>
+                <a16:creationId xmlns:a16="http://schemas.microsoft.com/office/drawing/2014/main" id="{EA9A8A0C-4B5A-641E-F27C-EC8C3F66616C}"/>
               </a:ext>
             </a:extLst>
           </p:cNvPr>
@@ -783,7 +783,7 @@
           <p:cNvPr id="3" name="内容占位符 2">
             <a:extLst>
               <a:ext uri="{FF2B5EF4-FFF2-40B4-BE49-F238E27FC236}">
-                <a16:creationId xmlns:a16="http://schemas.microsoft.com/office/drawing/2014/main" id="{9C4A00F0-468A-6268-7B21-C3ED2B6088DC}"/>
+                <a16:creationId xmlns:a16="http://schemas.microsoft.com/office/drawing/2014/main" id="{2D51AA98-B90F-18A7-1113-8045C4FAC192}"/>
               </a:ext>
             </a:extLst>
           </p:cNvPr>
@@ -840,7 +840,7 @@
           <p:cNvPr id="4" name="日期占位符 3">
             <a:extLst>
               <a:ext uri="{FF2B5EF4-FFF2-40B4-BE49-F238E27FC236}">
-                <a16:creationId xmlns:a16="http://schemas.microsoft.com/office/drawing/2014/main" id="{CBB37F23-F546-F607-CEB1-D9222697E461}"/>
+                <a16:creationId xmlns:a16="http://schemas.microsoft.com/office/drawing/2014/main" id="{56D8A9CE-1774-70B7-DA74-D7683137A5D5}"/>
               </a:ext>
             </a:extLst>
           </p:cNvPr>
@@ -856,7 +856,7 @@
           <a:bodyPr/>
           <a:lstStyle/>
           <a:p>
-            <a:fld id="{6CA8F48B-4028-44FE-9826-0C6F3753D4C9}" type="datetimeFigureOut">
+            <a:fld id="{C7A35AF4-428E-4FE5-891E-4F8D204456B2}" type="datetimeFigureOut">
               <a:rPr lang="zh-CN" altLang="en-US" smtClean="0"/>
               <a:t>2024/3/10</a:t>
             </a:fld>
@@ -869,7 +869,7 @@
           <p:cNvPr id="5" name="页脚占位符 4">
             <a:extLst>
               <a:ext uri="{FF2B5EF4-FFF2-40B4-BE49-F238E27FC236}">
-                <a16:creationId xmlns:a16="http://schemas.microsoft.com/office/drawing/2014/main" id="{C0A613DF-7063-18B6-15CD-DECB10A92D87}"/>
+                <a16:creationId xmlns:a16="http://schemas.microsoft.com/office/drawing/2014/main" id="{972DB16A-3E5C-E24E-18F4-E149919CBEEC}"/>
               </a:ext>
             </a:extLst>
           </p:cNvPr>
@@ -894,7 +894,7 @@
           <p:cNvPr id="6" name="灯片编号占位符 5">
             <a:extLst>
               <a:ext uri="{FF2B5EF4-FFF2-40B4-BE49-F238E27FC236}">
-                <a16:creationId xmlns:a16="http://schemas.microsoft.com/office/drawing/2014/main" id="{FAD953A6-50C2-5092-9537-F42EBF2391B1}"/>
+                <a16:creationId xmlns:a16="http://schemas.microsoft.com/office/drawing/2014/main" id="{5DF39200-B611-3593-BCD5-D1B04A5E4655}"/>
               </a:ext>
             </a:extLst>
           </p:cNvPr>
@@ -910,7 +910,7 @@
           <a:bodyPr/>
           <a:lstStyle/>
           <a:p>
-            <a:fld id="{D8DB7CEC-B5C2-4897-BA30-A334D582FF4A}" type="slidenum">
+            <a:fld id="{97016D87-7218-487E-B8AE-CDFC532EC2B3}" type="slidenum">
               <a:rPr lang="zh-CN" altLang="en-US" smtClean="0"/>
               <a:t>‹#›</a:t>
             </a:fld>
@@ -921,7 +921,7 @@
     </p:spTree>
     <p:extLst>
       <p:ext uri="{BB962C8B-B14F-4D97-AF65-F5344CB8AC3E}">
-        <p14:creationId xmlns:p14="http://schemas.microsoft.com/office/powerpoint/2010/main" val="214002492"/>
+        <p14:creationId xmlns:p14="http://schemas.microsoft.com/office/powerpoint/2010/main" val="3101199558"/>
       </p:ext>
     </p:extLst>
   </p:cSld>
@@ -953,7 +953,7 @@
           <p:cNvPr id="2" name="标题 1">
             <a:extLst>
               <a:ext uri="{FF2B5EF4-FFF2-40B4-BE49-F238E27FC236}">
-                <a16:creationId xmlns:a16="http://schemas.microsoft.com/office/drawing/2014/main" id="{6F787304-91B4-2BA1-C394-76C49F947AE5}"/>
+                <a16:creationId xmlns:a16="http://schemas.microsoft.com/office/drawing/2014/main" id="{4162F78C-8134-D872-3FD7-B626334180B1}"/>
               </a:ext>
             </a:extLst>
           </p:cNvPr>
@@ -990,7 +990,7 @@
           <p:cNvPr id="3" name="文本占位符 2">
             <a:extLst>
               <a:ext uri="{FF2B5EF4-FFF2-40B4-BE49-F238E27FC236}">
-                <a16:creationId xmlns:a16="http://schemas.microsoft.com/office/drawing/2014/main" id="{95126367-A98C-6C78-2B48-4485D35199EE}"/>
+                <a16:creationId xmlns:a16="http://schemas.microsoft.com/office/drawing/2014/main" id="{738B1F3A-44FA-B220-A0BE-33410EC4E731}"/>
               </a:ext>
             </a:extLst>
           </p:cNvPr>
@@ -1115,7 +1115,7 @@
           <p:cNvPr id="4" name="日期占位符 3">
             <a:extLst>
               <a:ext uri="{FF2B5EF4-FFF2-40B4-BE49-F238E27FC236}">
-                <a16:creationId xmlns:a16="http://schemas.microsoft.com/office/drawing/2014/main" id="{F778714B-1A56-DA95-7BD6-0120529A603B}"/>
+                <a16:creationId xmlns:a16="http://schemas.microsoft.com/office/drawing/2014/main" id="{BEF4C1F3-5E1C-FEC4-FDC5-EE26437B8B9B}"/>
               </a:ext>
             </a:extLst>
           </p:cNvPr>
@@ -1131,7 +1131,7 @@
           <a:bodyPr/>
           <a:lstStyle/>
           <a:p>
-            <a:fld id="{6CA8F48B-4028-44FE-9826-0C6F3753D4C9}" type="datetimeFigureOut">
+            <a:fld id="{C7A35AF4-428E-4FE5-891E-4F8D204456B2}" type="datetimeFigureOut">
               <a:rPr lang="zh-CN" altLang="en-US" smtClean="0"/>
               <a:t>2024/3/10</a:t>
             </a:fld>
@@ -1144,7 +1144,7 @@
           <p:cNvPr id="5" name="页脚占位符 4">
             <a:extLst>
               <a:ext uri="{FF2B5EF4-FFF2-40B4-BE49-F238E27FC236}">
-                <a16:creationId xmlns:a16="http://schemas.microsoft.com/office/drawing/2014/main" id="{0B069F5B-8266-1FD1-3D64-79C6FD57C5E7}"/>
+                <a16:creationId xmlns:a16="http://schemas.microsoft.com/office/drawing/2014/main" id="{B9EA8922-836F-AD3F-01A8-F5FFAB341FCE}"/>
               </a:ext>
             </a:extLst>
           </p:cNvPr>
@@ -1169,7 +1169,7 @@
           <p:cNvPr id="6" name="灯片编号占位符 5">
             <a:extLst>
               <a:ext uri="{FF2B5EF4-FFF2-40B4-BE49-F238E27FC236}">
-                <a16:creationId xmlns:a16="http://schemas.microsoft.com/office/drawing/2014/main" id="{96E786F4-1941-01BF-6788-E65368B3F72B}"/>
+                <a16:creationId xmlns:a16="http://schemas.microsoft.com/office/drawing/2014/main" id="{B259F720-8158-D786-8932-7BE342BA91C4}"/>
               </a:ext>
             </a:extLst>
           </p:cNvPr>
@@ -1185,7 +1185,7 @@
           <a:bodyPr/>
           <a:lstStyle/>
           <a:p>
-            <a:fld id="{D8DB7CEC-B5C2-4897-BA30-A334D582FF4A}" type="slidenum">
+            <a:fld id="{97016D87-7218-487E-B8AE-CDFC532EC2B3}" type="slidenum">
               <a:rPr lang="zh-CN" altLang="en-US" smtClean="0"/>
               <a:t>‹#›</a:t>
             </a:fld>
@@ -1196,7 +1196,7 @@
     </p:spTree>
     <p:extLst>
       <p:ext uri="{BB962C8B-B14F-4D97-AF65-F5344CB8AC3E}">
-        <p14:creationId xmlns:p14="http://schemas.microsoft.com/office/powerpoint/2010/main" val="3792595518"/>
+        <p14:creationId xmlns:p14="http://schemas.microsoft.com/office/powerpoint/2010/main" val="2867137848"/>
       </p:ext>
     </p:extLst>
   </p:cSld>
@@ -1228,7 +1228,7 @@
           <p:cNvPr id="2" name="标题 1">
             <a:extLst>
               <a:ext uri="{FF2B5EF4-FFF2-40B4-BE49-F238E27FC236}">
-                <a16:creationId xmlns:a16="http://schemas.microsoft.com/office/drawing/2014/main" id="{730A0567-18FB-7E00-E93F-A9E65B3DCBAE}"/>
+                <a16:creationId xmlns:a16="http://schemas.microsoft.com/office/drawing/2014/main" id="{743FE7E6-50D0-577A-0707-0422FBB9B5CA}"/>
               </a:ext>
             </a:extLst>
           </p:cNvPr>
@@ -1256,7 +1256,7 @@
           <p:cNvPr id="3" name="内容占位符 2">
             <a:extLst>
               <a:ext uri="{FF2B5EF4-FFF2-40B4-BE49-F238E27FC236}">
-                <a16:creationId xmlns:a16="http://schemas.microsoft.com/office/drawing/2014/main" id="{A99D6F6D-9E5D-16B5-8F3D-6222588A4161}"/>
+                <a16:creationId xmlns:a16="http://schemas.microsoft.com/office/drawing/2014/main" id="{C8A8F097-128B-3EC8-B954-705A162C96A9}"/>
               </a:ext>
             </a:extLst>
           </p:cNvPr>
@@ -1318,7 +1318,7 @@
           <p:cNvPr id="4" name="内容占位符 3">
             <a:extLst>
               <a:ext uri="{FF2B5EF4-FFF2-40B4-BE49-F238E27FC236}">
-                <a16:creationId xmlns:a16="http://schemas.microsoft.com/office/drawing/2014/main" id="{5A9EB0A8-E7EE-5944-417F-2F37B2D07A4E}"/>
+                <a16:creationId xmlns:a16="http://schemas.microsoft.com/office/drawing/2014/main" id="{A4484AFF-16A9-B006-7C6A-BB8061487658}"/>
               </a:ext>
             </a:extLst>
           </p:cNvPr>
@@ -1380,7 +1380,7 @@
           <p:cNvPr id="5" name="日期占位符 4">
             <a:extLst>
               <a:ext uri="{FF2B5EF4-FFF2-40B4-BE49-F238E27FC236}">
-                <a16:creationId xmlns:a16="http://schemas.microsoft.com/office/drawing/2014/main" id="{C80D06F1-ADC4-E2C5-F938-75D4E8A02FBC}"/>
+                <a16:creationId xmlns:a16="http://schemas.microsoft.com/office/drawing/2014/main" id="{E1B3D252-8CD6-FCE5-5AC0-A6855671C75D}"/>
               </a:ext>
             </a:extLst>
           </p:cNvPr>
@@ -1396,7 +1396,7 @@
           <a:bodyPr/>
           <a:lstStyle/>
           <a:p>
-            <a:fld id="{6CA8F48B-4028-44FE-9826-0C6F3753D4C9}" type="datetimeFigureOut">
+            <a:fld id="{C7A35AF4-428E-4FE5-891E-4F8D204456B2}" type="datetimeFigureOut">
               <a:rPr lang="zh-CN" altLang="en-US" smtClean="0"/>
               <a:t>2024/3/10</a:t>
             </a:fld>
@@ -1409,7 +1409,7 @@
           <p:cNvPr id="6" name="页脚占位符 5">
             <a:extLst>
               <a:ext uri="{FF2B5EF4-FFF2-40B4-BE49-F238E27FC236}">
-                <a16:creationId xmlns:a16="http://schemas.microsoft.com/office/drawing/2014/main" id="{98E62898-FDBF-1730-1437-03135D6161C1}"/>
+                <a16:creationId xmlns:a16="http://schemas.microsoft.com/office/drawing/2014/main" id="{851B2ACF-AD48-1431-9989-A01EC1468873}"/>
               </a:ext>
             </a:extLst>
           </p:cNvPr>
@@ -1434,7 +1434,7 @@
           <p:cNvPr id="7" name="灯片编号占位符 6">
             <a:extLst>
               <a:ext uri="{FF2B5EF4-FFF2-40B4-BE49-F238E27FC236}">
-                <a16:creationId xmlns:a16="http://schemas.microsoft.com/office/drawing/2014/main" id="{F1A5FC70-F771-DFBB-FC0A-862B580EECB4}"/>
+                <a16:creationId xmlns:a16="http://schemas.microsoft.com/office/drawing/2014/main" id="{02838742-3BF4-0548-2A90-6919F396E969}"/>
               </a:ext>
             </a:extLst>
           </p:cNvPr>
@@ -1450,7 +1450,7 @@
           <a:bodyPr/>
           <a:lstStyle/>
           <a:p>
-            <a:fld id="{D8DB7CEC-B5C2-4897-BA30-A334D582FF4A}" type="slidenum">
+            <a:fld id="{97016D87-7218-487E-B8AE-CDFC532EC2B3}" type="slidenum">
               <a:rPr lang="zh-CN" altLang="en-US" smtClean="0"/>
               <a:t>‹#›</a:t>
             </a:fld>
@@ -1461,7 +1461,7 @@
     </p:spTree>
     <p:extLst>
       <p:ext uri="{BB962C8B-B14F-4D97-AF65-F5344CB8AC3E}">
-        <p14:creationId xmlns:p14="http://schemas.microsoft.com/office/powerpoint/2010/main" val="1648814478"/>
+        <p14:creationId xmlns:p14="http://schemas.microsoft.com/office/powerpoint/2010/main" val="2050674761"/>
       </p:ext>
     </p:extLst>
   </p:cSld>
@@ -1493,7 +1493,7 @@
           <p:cNvPr id="2" name="标题 1">
             <a:extLst>
               <a:ext uri="{FF2B5EF4-FFF2-40B4-BE49-F238E27FC236}">
-                <a16:creationId xmlns:a16="http://schemas.microsoft.com/office/drawing/2014/main" id="{23C87791-79B3-8DC6-25B5-E60733654963}"/>
+                <a16:creationId xmlns:a16="http://schemas.microsoft.com/office/drawing/2014/main" id="{FADA4A1D-DEBA-C9D3-B2BA-466348E799A4}"/>
               </a:ext>
             </a:extLst>
           </p:cNvPr>
@@ -1526,7 +1526,7 @@
           <p:cNvPr id="3" name="文本占位符 2">
             <a:extLst>
               <a:ext uri="{FF2B5EF4-FFF2-40B4-BE49-F238E27FC236}">
-                <a16:creationId xmlns:a16="http://schemas.microsoft.com/office/drawing/2014/main" id="{EBD7344F-8B78-64CD-CAAA-AA29FDD9750E}"/>
+                <a16:creationId xmlns:a16="http://schemas.microsoft.com/office/drawing/2014/main" id="{B9062CCD-8250-8ADA-F6A5-11BF909A55FD}"/>
               </a:ext>
             </a:extLst>
           </p:cNvPr>
@@ -1597,7 +1597,7 @@
           <p:cNvPr id="4" name="内容占位符 3">
             <a:extLst>
               <a:ext uri="{FF2B5EF4-FFF2-40B4-BE49-F238E27FC236}">
-                <a16:creationId xmlns:a16="http://schemas.microsoft.com/office/drawing/2014/main" id="{7A7A70FB-88BE-921B-9EDB-EE1313ECB4CD}"/>
+                <a16:creationId xmlns:a16="http://schemas.microsoft.com/office/drawing/2014/main" id="{D032F3AC-C880-F720-6441-DD2F20BA2676}"/>
               </a:ext>
             </a:extLst>
           </p:cNvPr>
@@ -1659,7 +1659,7 @@
           <p:cNvPr id="5" name="文本占位符 4">
             <a:extLst>
               <a:ext uri="{FF2B5EF4-FFF2-40B4-BE49-F238E27FC236}">
-                <a16:creationId xmlns:a16="http://schemas.microsoft.com/office/drawing/2014/main" id="{7B804C28-F928-D897-43D0-D0E7D54F739E}"/>
+                <a16:creationId xmlns:a16="http://schemas.microsoft.com/office/drawing/2014/main" id="{09E7060B-7E0E-1AB1-9609-02EAD5E0B1F5}"/>
               </a:ext>
             </a:extLst>
           </p:cNvPr>
@@ -1730,7 +1730,7 @@
           <p:cNvPr id="6" name="内容占位符 5">
             <a:extLst>
               <a:ext uri="{FF2B5EF4-FFF2-40B4-BE49-F238E27FC236}">
-                <a16:creationId xmlns:a16="http://schemas.microsoft.com/office/drawing/2014/main" id="{5D11865C-9C8F-A07E-F78D-AFE700ECAC34}"/>
+                <a16:creationId xmlns:a16="http://schemas.microsoft.com/office/drawing/2014/main" id="{4E06BD24-FA1B-755F-B1BA-25A3E14929F1}"/>
               </a:ext>
             </a:extLst>
           </p:cNvPr>
@@ -1792,7 +1792,7 @@
           <p:cNvPr id="7" name="日期占位符 6">
             <a:extLst>
               <a:ext uri="{FF2B5EF4-FFF2-40B4-BE49-F238E27FC236}">
-                <a16:creationId xmlns:a16="http://schemas.microsoft.com/office/drawing/2014/main" id="{16EF8C05-4559-474E-5307-E786F9D73C66}"/>
+                <a16:creationId xmlns:a16="http://schemas.microsoft.com/office/drawing/2014/main" id="{5DA26240-DA40-3B85-C816-0FD330F80113}"/>
               </a:ext>
             </a:extLst>
           </p:cNvPr>
@@ -1808,7 +1808,7 @@
           <a:bodyPr/>
           <a:lstStyle/>
           <a:p>
-            <a:fld id="{6CA8F48B-4028-44FE-9826-0C6F3753D4C9}" type="datetimeFigureOut">
+            <a:fld id="{C7A35AF4-428E-4FE5-891E-4F8D204456B2}" type="datetimeFigureOut">
               <a:rPr lang="zh-CN" altLang="en-US" smtClean="0"/>
               <a:t>2024/3/10</a:t>
             </a:fld>
@@ -1821,7 +1821,7 @@
           <p:cNvPr id="8" name="页脚占位符 7">
             <a:extLst>
               <a:ext uri="{FF2B5EF4-FFF2-40B4-BE49-F238E27FC236}">
-                <a16:creationId xmlns:a16="http://schemas.microsoft.com/office/drawing/2014/main" id="{0C06E4D7-694F-7C41-565F-2526F60D33DE}"/>
+                <a16:creationId xmlns:a16="http://schemas.microsoft.com/office/drawing/2014/main" id="{432FB32A-11AA-7113-5A6E-806BF006BCE4}"/>
               </a:ext>
             </a:extLst>
           </p:cNvPr>
@@ -1846,7 +1846,7 @@
           <p:cNvPr id="9" name="灯片编号占位符 8">
             <a:extLst>
               <a:ext uri="{FF2B5EF4-FFF2-40B4-BE49-F238E27FC236}">
-                <a16:creationId xmlns:a16="http://schemas.microsoft.com/office/drawing/2014/main" id="{A4071832-1785-1968-F3E6-7E5C59978C76}"/>
+                <a16:creationId xmlns:a16="http://schemas.microsoft.com/office/drawing/2014/main" id="{9B315463-EA58-BFB5-2A9F-2E643E9B5E95}"/>
               </a:ext>
             </a:extLst>
           </p:cNvPr>
@@ -1862,7 +1862,7 @@
           <a:bodyPr/>
           <a:lstStyle/>
           <a:p>
-            <a:fld id="{D8DB7CEC-B5C2-4897-BA30-A334D582FF4A}" type="slidenum">
+            <a:fld id="{97016D87-7218-487E-B8AE-CDFC532EC2B3}" type="slidenum">
               <a:rPr lang="zh-CN" altLang="en-US" smtClean="0"/>
               <a:t>‹#›</a:t>
             </a:fld>
@@ -1873,7 +1873,7 @@
     </p:spTree>
     <p:extLst>
       <p:ext uri="{BB962C8B-B14F-4D97-AF65-F5344CB8AC3E}">
-        <p14:creationId xmlns:p14="http://schemas.microsoft.com/office/powerpoint/2010/main" val="1619039174"/>
+        <p14:creationId xmlns:p14="http://schemas.microsoft.com/office/powerpoint/2010/main" val="2877302186"/>
       </p:ext>
     </p:extLst>
   </p:cSld>
@@ -1905,7 +1905,7 @@
           <p:cNvPr id="2" name="标题 1">
             <a:extLst>
               <a:ext uri="{FF2B5EF4-FFF2-40B4-BE49-F238E27FC236}">
-                <a16:creationId xmlns:a16="http://schemas.microsoft.com/office/drawing/2014/main" id="{7F56234B-BC9D-10DC-2EC3-8CE56D96EBC6}"/>
+                <a16:creationId xmlns:a16="http://schemas.microsoft.com/office/drawing/2014/main" id="{62715104-1A1B-263F-1918-48FC8DA040DF}"/>
               </a:ext>
             </a:extLst>
           </p:cNvPr>
@@ -1933,7 +1933,7 @@
           <p:cNvPr id="3" name="日期占位符 2">
             <a:extLst>
               <a:ext uri="{FF2B5EF4-FFF2-40B4-BE49-F238E27FC236}">
-                <a16:creationId xmlns:a16="http://schemas.microsoft.com/office/drawing/2014/main" id="{1E02360A-2A0A-39E5-54E8-9062EDE84729}"/>
+                <a16:creationId xmlns:a16="http://schemas.microsoft.com/office/drawing/2014/main" id="{E20A3DA3-13B8-F379-EE6A-FE407E452F79}"/>
               </a:ext>
             </a:extLst>
           </p:cNvPr>
@@ -1949,7 +1949,7 @@
           <a:bodyPr/>
           <a:lstStyle/>
           <a:p>
-            <a:fld id="{6CA8F48B-4028-44FE-9826-0C6F3753D4C9}" type="datetimeFigureOut">
+            <a:fld id="{C7A35AF4-428E-4FE5-891E-4F8D204456B2}" type="datetimeFigureOut">
               <a:rPr lang="zh-CN" altLang="en-US" smtClean="0"/>
               <a:t>2024/3/10</a:t>
             </a:fld>
@@ -1962,7 +1962,7 @@
           <p:cNvPr id="4" name="页脚占位符 3">
             <a:extLst>
               <a:ext uri="{FF2B5EF4-FFF2-40B4-BE49-F238E27FC236}">
-                <a16:creationId xmlns:a16="http://schemas.microsoft.com/office/drawing/2014/main" id="{FC2B07A3-C999-4544-B9FE-34882A59E36A}"/>
+                <a16:creationId xmlns:a16="http://schemas.microsoft.com/office/drawing/2014/main" id="{12B3EC4E-7DEB-ED31-CA61-6694DAB1EB7E}"/>
               </a:ext>
             </a:extLst>
           </p:cNvPr>
@@ -1987,7 +1987,7 @@
           <p:cNvPr id="5" name="灯片编号占位符 4">
             <a:extLst>
               <a:ext uri="{FF2B5EF4-FFF2-40B4-BE49-F238E27FC236}">
-                <a16:creationId xmlns:a16="http://schemas.microsoft.com/office/drawing/2014/main" id="{3717C008-DE62-05DB-7BDA-C13C7F8F881D}"/>
+                <a16:creationId xmlns:a16="http://schemas.microsoft.com/office/drawing/2014/main" id="{70DBF5D7-621A-8CCA-D027-2455E1F73C08}"/>
               </a:ext>
             </a:extLst>
           </p:cNvPr>
@@ -2003,7 +2003,7 @@
           <a:bodyPr/>
           <a:lstStyle/>
           <a:p>
-            <a:fld id="{D8DB7CEC-B5C2-4897-BA30-A334D582FF4A}" type="slidenum">
+            <a:fld id="{97016D87-7218-487E-B8AE-CDFC532EC2B3}" type="slidenum">
               <a:rPr lang="zh-CN" altLang="en-US" smtClean="0"/>
               <a:t>‹#›</a:t>
             </a:fld>
@@ -2014,7 +2014,7 @@
     </p:spTree>
     <p:extLst>
       <p:ext uri="{BB962C8B-B14F-4D97-AF65-F5344CB8AC3E}">
-        <p14:creationId xmlns:p14="http://schemas.microsoft.com/office/powerpoint/2010/main" val="4062097490"/>
+        <p14:creationId xmlns:p14="http://schemas.microsoft.com/office/powerpoint/2010/main" val="3261539650"/>
       </p:ext>
     </p:extLst>
   </p:cSld>
@@ -2046,7 +2046,7 @@
           <p:cNvPr id="2" name="日期占位符 1">
             <a:extLst>
               <a:ext uri="{FF2B5EF4-FFF2-40B4-BE49-F238E27FC236}">
-                <a16:creationId xmlns:a16="http://schemas.microsoft.com/office/drawing/2014/main" id="{0003FED2-B405-1F4D-7C98-60F552ADF3BA}"/>
+                <a16:creationId xmlns:a16="http://schemas.microsoft.com/office/drawing/2014/main" id="{BEA9B4BF-5735-A2AE-3B25-F0E75D085709}"/>
               </a:ext>
             </a:extLst>
           </p:cNvPr>
@@ -2062,7 +2062,7 @@
           <a:bodyPr/>
           <a:lstStyle/>
           <a:p>
-            <a:fld id="{6CA8F48B-4028-44FE-9826-0C6F3753D4C9}" type="datetimeFigureOut">
+            <a:fld id="{C7A35AF4-428E-4FE5-891E-4F8D204456B2}" type="datetimeFigureOut">
               <a:rPr lang="zh-CN" altLang="en-US" smtClean="0"/>
               <a:t>2024/3/10</a:t>
             </a:fld>
@@ -2075,7 +2075,7 @@
           <p:cNvPr id="3" name="页脚占位符 2">
             <a:extLst>
               <a:ext uri="{FF2B5EF4-FFF2-40B4-BE49-F238E27FC236}">
-                <a16:creationId xmlns:a16="http://schemas.microsoft.com/office/drawing/2014/main" id="{F948CA43-ECFD-B9D9-57FC-77A25D9B8840}"/>
+                <a16:creationId xmlns:a16="http://schemas.microsoft.com/office/drawing/2014/main" id="{D5FB73B3-4E5D-229D-CEA5-94E027E95AD9}"/>
               </a:ext>
             </a:extLst>
           </p:cNvPr>
@@ -2100,7 +2100,7 @@
           <p:cNvPr id="4" name="灯片编号占位符 3">
             <a:extLst>
               <a:ext uri="{FF2B5EF4-FFF2-40B4-BE49-F238E27FC236}">
-                <a16:creationId xmlns:a16="http://schemas.microsoft.com/office/drawing/2014/main" id="{8E63BDCA-1FC0-B827-53BB-1C1380996B60}"/>
+                <a16:creationId xmlns:a16="http://schemas.microsoft.com/office/drawing/2014/main" id="{E4DAD9D8-EEDF-9CCF-6353-DCE97B7DF1A5}"/>
               </a:ext>
             </a:extLst>
           </p:cNvPr>
@@ -2116,7 +2116,7 @@
           <a:bodyPr/>
           <a:lstStyle/>
           <a:p>
-            <a:fld id="{D8DB7CEC-B5C2-4897-BA30-A334D582FF4A}" type="slidenum">
+            <a:fld id="{97016D87-7218-487E-B8AE-CDFC532EC2B3}" type="slidenum">
               <a:rPr lang="zh-CN" altLang="en-US" smtClean="0"/>
               <a:t>‹#›</a:t>
             </a:fld>
@@ -2127,7 +2127,7 @@
     </p:spTree>
     <p:extLst>
       <p:ext uri="{BB962C8B-B14F-4D97-AF65-F5344CB8AC3E}">
-        <p14:creationId xmlns:p14="http://schemas.microsoft.com/office/powerpoint/2010/main" val="87981470"/>
+        <p14:creationId xmlns:p14="http://schemas.microsoft.com/office/powerpoint/2010/main" val="4143830419"/>
       </p:ext>
     </p:extLst>
   </p:cSld>
@@ -2159,7 +2159,7 @@
           <p:cNvPr id="2" name="标题 1">
             <a:extLst>
               <a:ext uri="{FF2B5EF4-FFF2-40B4-BE49-F238E27FC236}">
-                <a16:creationId xmlns:a16="http://schemas.microsoft.com/office/drawing/2014/main" id="{FA566C69-F257-82C5-62D5-D4ECB79E6594}"/>
+                <a16:creationId xmlns:a16="http://schemas.microsoft.com/office/drawing/2014/main" id="{7F66A258-90DA-68AF-EB0E-45AF3D1C3D85}"/>
               </a:ext>
             </a:extLst>
           </p:cNvPr>
@@ -2196,7 +2196,7 @@
           <p:cNvPr id="3" name="内容占位符 2">
             <a:extLst>
               <a:ext uri="{FF2B5EF4-FFF2-40B4-BE49-F238E27FC236}">
-                <a16:creationId xmlns:a16="http://schemas.microsoft.com/office/drawing/2014/main" id="{316AB987-ABEF-1887-B2DF-1212CE30820F}"/>
+                <a16:creationId xmlns:a16="http://schemas.microsoft.com/office/drawing/2014/main" id="{EFD080BC-2511-7E9D-AC2A-8307456484F4}"/>
               </a:ext>
             </a:extLst>
           </p:cNvPr>
@@ -2286,7 +2286,7 @@
           <p:cNvPr id="4" name="文本占位符 3">
             <a:extLst>
               <a:ext uri="{FF2B5EF4-FFF2-40B4-BE49-F238E27FC236}">
-                <a16:creationId xmlns:a16="http://schemas.microsoft.com/office/drawing/2014/main" id="{851AAA1B-D579-6A2E-B9B5-6436C060144B}"/>
+                <a16:creationId xmlns:a16="http://schemas.microsoft.com/office/drawing/2014/main" id="{6EABF6DF-479C-3850-F271-AB397A568A05}"/>
               </a:ext>
             </a:extLst>
           </p:cNvPr>
@@ -2357,7 +2357,7 @@
           <p:cNvPr id="5" name="日期占位符 4">
             <a:extLst>
               <a:ext uri="{FF2B5EF4-FFF2-40B4-BE49-F238E27FC236}">
-                <a16:creationId xmlns:a16="http://schemas.microsoft.com/office/drawing/2014/main" id="{CCA97AE5-643C-4E84-9868-4F30B2E7BE93}"/>
+                <a16:creationId xmlns:a16="http://schemas.microsoft.com/office/drawing/2014/main" id="{91831AF2-4ADD-7FB9-899A-35A48D3BE376}"/>
               </a:ext>
             </a:extLst>
           </p:cNvPr>
@@ -2373,7 +2373,7 @@
           <a:bodyPr/>
           <a:lstStyle/>
           <a:p>
-            <a:fld id="{6CA8F48B-4028-44FE-9826-0C6F3753D4C9}" type="datetimeFigureOut">
+            <a:fld id="{C7A35AF4-428E-4FE5-891E-4F8D204456B2}" type="datetimeFigureOut">
               <a:rPr lang="zh-CN" altLang="en-US" smtClean="0"/>
               <a:t>2024/3/10</a:t>
             </a:fld>
@@ -2386,7 +2386,7 @@
           <p:cNvPr id="6" name="页脚占位符 5">
             <a:extLst>
               <a:ext uri="{FF2B5EF4-FFF2-40B4-BE49-F238E27FC236}">
-                <a16:creationId xmlns:a16="http://schemas.microsoft.com/office/drawing/2014/main" id="{5F5C8B2F-C79C-8B2E-019A-66F51246355B}"/>
+                <a16:creationId xmlns:a16="http://schemas.microsoft.com/office/drawing/2014/main" id="{5D587AFF-387A-8B60-6936-08C1CD99030D}"/>
               </a:ext>
             </a:extLst>
           </p:cNvPr>
@@ -2411,7 +2411,7 @@
           <p:cNvPr id="7" name="灯片编号占位符 6">
             <a:extLst>
               <a:ext uri="{FF2B5EF4-FFF2-40B4-BE49-F238E27FC236}">
-                <a16:creationId xmlns:a16="http://schemas.microsoft.com/office/drawing/2014/main" id="{FAA523F6-BDBB-A8E3-02FD-491B0646916E}"/>
+                <a16:creationId xmlns:a16="http://schemas.microsoft.com/office/drawing/2014/main" id="{12BEBBAD-23AF-399B-88D5-9416600F93E9}"/>
               </a:ext>
             </a:extLst>
           </p:cNvPr>
@@ -2427,7 +2427,7 @@
           <a:bodyPr/>
           <a:lstStyle/>
           <a:p>
-            <a:fld id="{D8DB7CEC-B5C2-4897-BA30-A334D582FF4A}" type="slidenum">
+            <a:fld id="{97016D87-7218-487E-B8AE-CDFC532EC2B3}" type="slidenum">
               <a:rPr lang="zh-CN" altLang="en-US" smtClean="0"/>
               <a:t>‹#›</a:t>
             </a:fld>
@@ -2438,7 +2438,7 @@
     </p:spTree>
     <p:extLst>
       <p:ext uri="{BB962C8B-B14F-4D97-AF65-F5344CB8AC3E}">
-        <p14:creationId xmlns:p14="http://schemas.microsoft.com/office/powerpoint/2010/main" val="77635242"/>
+        <p14:creationId xmlns:p14="http://schemas.microsoft.com/office/powerpoint/2010/main" val="3360559890"/>
       </p:ext>
     </p:extLst>
   </p:cSld>
@@ -2470,7 +2470,7 @@
           <p:cNvPr id="2" name="标题 1">
             <a:extLst>
               <a:ext uri="{FF2B5EF4-FFF2-40B4-BE49-F238E27FC236}">
-                <a16:creationId xmlns:a16="http://schemas.microsoft.com/office/drawing/2014/main" id="{05A235CF-E354-0128-9741-CFA510FB6597}"/>
+                <a16:creationId xmlns:a16="http://schemas.microsoft.com/office/drawing/2014/main" id="{4AEE82A9-DF5C-6E6D-CB14-270CF6014546}"/>
               </a:ext>
             </a:extLst>
           </p:cNvPr>
@@ -2507,7 +2507,7 @@
           <p:cNvPr id="3" name="图片占位符 2">
             <a:extLst>
               <a:ext uri="{FF2B5EF4-FFF2-40B4-BE49-F238E27FC236}">
-                <a16:creationId xmlns:a16="http://schemas.microsoft.com/office/drawing/2014/main" id="{37507358-D719-883A-E8AA-428AA2EB0130}"/>
+                <a16:creationId xmlns:a16="http://schemas.microsoft.com/office/drawing/2014/main" id="{1D72A3A0-962E-7F2F-A074-D0B8589DB4D8}"/>
               </a:ext>
             </a:extLst>
           </p:cNvPr>
@@ -2574,7 +2574,7 @@
           <p:cNvPr id="4" name="文本占位符 3">
             <a:extLst>
               <a:ext uri="{FF2B5EF4-FFF2-40B4-BE49-F238E27FC236}">
-                <a16:creationId xmlns:a16="http://schemas.microsoft.com/office/drawing/2014/main" id="{6402B0EB-DF1F-D746-F50D-71E92BFD9B72}"/>
+                <a16:creationId xmlns:a16="http://schemas.microsoft.com/office/drawing/2014/main" id="{F206AAB1-850A-8D15-24D1-556E02C96B88}"/>
               </a:ext>
             </a:extLst>
           </p:cNvPr>
@@ -2645,7 +2645,7 @@
           <p:cNvPr id="5" name="日期占位符 4">
             <a:extLst>
               <a:ext uri="{FF2B5EF4-FFF2-40B4-BE49-F238E27FC236}">
-                <a16:creationId xmlns:a16="http://schemas.microsoft.com/office/drawing/2014/main" id="{5391D63C-A52A-19BE-B1D5-F6E18A91AC24}"/>
+                <a16:creationId xmlns:a16="http://schemas.microsoft.com/office/drawing/2014/main" id="{8BFBBABE-D3A2-D5F5-EB90-01F4950C3B8A}"/>
               </a:ext>
             </a:extLst>
           </p:cNvPr>
@@ -2661,7 +2661,7 @@
           <a:bodyPr/>
           <a:lstStyle/>
           <a:p>
-            <a:fld id="{6CA8F48B-4028-44FE-9826-0C6F3753D4C9}" type="datetimeFigureOut">
+            <a:fld id="{C7A35AF4-428E-4FE5-891E-4F8D204456B2}" type="datetimeFigureOut">
               <a:rPr lang="zh-CN" altLang="en-US" smtClean="0"/>
               <a:t>2024/3/10</a:t>
             </a:fld>
@@ -2674,7 +2674,7 @@
           <p:cNvPr id="6" name="页脚占位符 5">
             <a:extLst>
               <a:ext uri="{FF2B5EF4-FFF2-40B4-BE49-F238E27FC236}">
-                <a16:creationId xmlns:a16="http://schemas.microsoft.com/office/drawing/2014/main" id="{9E113C8E-5DD9-C03C-7BCD-817323445762}"/>
+                <a16:creationId xmlns:a16="http://schemas.microsoft.com/office/drawing/2014/main" id="{B12FB354-65CA-3394-41CD-D23021882E24}"/>
               </a:ext>
             </a:extLst>
           </p:cNvPr>
@@ -2699,7 +2699,7 @@
           <p:cNvPr id="7" name="灯片编号占位符 6">
             <a:extLst>
               <a:ext uri="{FF2B5EF4-FFF2-40B4-BE49-F238E27FC236}">
-                <a16:creationId xmlns:a16="http://schemas.microsoft.com/office/drawing/2014/main" id="{D96C9BFE-0DA1-987D-895E-07210925BD48}"/>
+                <a16:creationId xmlns:a16="http://schemas.microsoft.com/office/drawing/2014/main" id="{CF4DDDFA-C70C-5577-DD1B-C4DC515DD499}"/>
               </a:ext>
             </a:extLst>
           </p:cNvPr>
@@ -2715,7 +2715,7 @@
           <a:bodyPr/>
           <a:lstStyle/>
           <a:p>
-            <a:fld id="{D8DB7CEC-B5C2-4897-BA30-A334D582FF4A}" type="slidenum">
+            <a:fld id="{97016D87-7218-487E-B8AE-CDFC532EC2B3}" type="slidenum">
               <a:rPr lang="zh-CN" altLang="en-US" smtClean="0"/>
               <a:t>‹#›</a:t>
             </a:fld>
@@ -2726,7 +2726,7 @@
     </p:spTree>
     <p:extLst>
       <p:ext uri="{BB962C8B-B14F-4D97-AF65-F5344CB8AC3E}">
-        <p14:creationId xmlns:p14="http://schemas.microsoft.com/office/powerpoint/2010/main" val="85491518"/>
+        <p14:creationId xmlns:p14="http://schemas.microsoft.com/office/powerpoint/2010/main" val="3058059827"/>
       </p:ext>
     </p:extLst>
   </p:cSld>
@@ -2763,7 +2763,7 @@
           <p:cNvPr id="2" name="标题占位符 1">
             <a:extLst>
               <a:ext uri="{FF2B5EF4-FFF2-40B4-BE49-F238E27FC236}">
-                <a16:creationId xmlns:a16="http://schemas.microsoft.com/office/drawing/2014/main" id="{617B7508-A22C-30F2-1356-C47C283A459F}"/>
+                <a16:creationId xmlns:a16="http://schemas.microsoft.com/office/drawing/2014/main" id="{43D52587-8D08-7947-A487-5CA9D623375D}"/>
               </a:ext>
             </a:extLst>
           </p:cNvPr>
@@ -2801,7 +2801,7 @@
           <p:cNvPr id="3" name="文本占位符 2">
             <a:extLst>
               <a:ext uri="{FF2B5EF4-FFF2-40B4-BE49-F238E27FC236}">
-                <a16:creationId xmlns:a16="http://schemas.microsoft.com/office/drawing/2014/main" id="{EC0B88B9-B82E-DEC6-CCA9-77A2178E26F2}"/>
+                <a16:creationId xmlns:a16="http://schemas.microsoft.com/office/drawing/2014/main" id="{E5A433D8-FC2C-DF6F-5EE1-F961446757B7}"/>
               </a:ext>
             </a:extLst>
           </p:cNvPr>
@@ -2868,7 +2868,7 @@
           <p:cNvPr id="4" name="日期占位符 3">
             <a:extLst>
               <a:ext uri="{FF2B5EF4-FFF2-40B4-BE49-F238E27FC236}">
-                <a16:creationId xmlns:a16="http://schemas.microsoft.com/office/drawing/2014/main" id="{8904C8F1-573F-77CE-8A49-F4B5ED424748}"/>
+                <a16:creationId xmlns:a16="http://schemas.microsoft.com/office/drawing/2014/main" id="{C08D1D56-0122-6CA0-ECFD-1CE18869B6C4}"/>
               </a:ext>
             </a:extLst>
           </p:cNvPr>
@@ -2902,7 +2902,7 @@
             </a:lvl1pPr>
           </a:lstStyle>
           <a:p>
-            <a:fld id="{6CA8F48B-4028-44FE-9826-0C6F3753D4C9}" type="datetimeFigureOut">
+            <a:fld id="{C7A35AF4-428E-4FE5-891E-4F8D204456B2}" type="datetimeFigureOut">
               <a:rPr lang="zh-CN" altLang="en-US" smtClean="0"/>
               <a:t>2024/3/10</a:t>
             </a:fld>
@@ -2915,7 +2915,7 @@
           <p:cNvPr id="5" name="页脚占位符 4">
             <a:extLst>
               <a:ext uri="{FF2B5EF4-FFF2-40B4-BE49-F238E27FC236}">
-                <a16:creationId xmlns:a16="http://schemas.microsoft.com/office/drawing/2014/main" id="{8E5772F7-7C53-D9F4-BB82-4924EF6F385E}"/>
+                <a16:creationId xmlns:a16="http://schemas.microsoft.com/office/drawing/2014/main" id="{593A1EC2-A086-CE09-B244-8D1EC7643E5A}"/>
               </a:ext>
             </a:extLst>
           </p:cNvPr>
@@ -2958,7 +2958,7 @@
           <p:cNvPr id="6" name="灯片编号占位符 5">
             <a:extLst>
               <a:ext uri="{FF2B5EF4-FFF2-40B4-BE49-F238E27FC236}">
-                <a16:creationId xmlns:a16="http://schemas.microsoft.com/office/drawing/2014/main" id="{5142C9C0-102F-A482-24FF-C9B55A85F45A}"/>
+                <a16:creationId xmlns:a16="http://schemas.microsoft.com/office/drawing/2014/main" id="{D3D1E368-2924-58D1-D80B-ACB216D0B28B}"/>
               </a:ext>
             </a:extLst>
           </p:cNvPr>
@@ -2992,7 +2992,7 @@
             </a:lvl1pPr>
           </a:lstStyle>
           <a:p>
-            <a:fld id="{D8DB7CEC-B5C2-4897-BA30-A334D582FF4A}" type="slidenum">
+            <a:fld id="{97016D87-7218-487E-B8AE-CDFC532EC2B3}" type="slidenum">
               <a:rPr lang="zh-CN" altLang="en-US" smtClean="0"/>
               <a:t>‹#›</a:t>
             </a:fld>
@@ -3003,7 +3003,7 @@
     </p:spTree>
     <p:extLst>
       <p:ext uri="{BB962C8B-B14F-4D97-AF65-F5344CB8AC3E}">
-        <p14:creationId xmlns:p14="http://schemas.microsoft.com/office/powerpoint/2010/main" val="2147430897"/>
+        <p14:creationId xmlns:p14="http://schemas.microsoft.com/office/powerpoint/2010/main" val="3761567230"/>
       </p:ext>
     </p:extLst>
   </p:cSld>
@@ -3323,7 +3323,7 @@
       </p:grpSpPr>
       <p:pic>
         <p:nvPicPr>
-          <p:cNvPr id="1144834" name="Picture 2" descr="1117"/>
+          <p:cNvPr id="1145858" name="Picture 2" descr="1118"/>
           <p:cNvPicPr>
             <a:picLocks noChangeAspect="1" noChangeArrowheads="1"/>
           </p:cNvPicPr>
